--- a/computer_science/ai/natural_language_processing/action_extract/extracting_action_sequences_from_texts_based_on_deep_reinforcement_learning.pptx
+++ b/computer_science/ai/natural_language_processing/action_extract/extracting_action_sequences_from_texts_based_on_deep_reinforcement_learning.pptx
@@ -11,6 +11,8 @@
     <p:sldId id="259" r:id="rId5"/>
     <p:sldId id="261" r:id="rId6"/>
     <p:sldId id="260" r:id="rId7"/>
+    <p:sldId id="262" r:id="rId8"/>
+    <p:sldId id="263" r:id="rId9"/>
   </p:sldIdLst>
   <p:sldSz cx="12192000" cy="6858000"/>
   <p:notesSz cx="6858000" cy="9144000"/>
@@ -109,6 +111,11 @@
       </a:defRPr>
     </a:lvl9pPr>
   </p:defaultTextStyle>
+  <p:extLst>
+    <p:ext uri="{EFAFB233-063F-42B5-8137-9DF3F51BA10A}">
+      <p15:sldGuideLst xmlns:p15="http://schemas.microsoft.com/office/powerpoint/2012/main"/>
+    </p:ext>
+  </p:extLst>
 </p:presentation>
 </file>
 
@@ -243,7 +250,7 @@
           <a:p>
             <a:fld id="{7678815B-4BED-40A2-A624-0FD9FBFEFEA2}" type="datetimeFigureOut">
               <a:rPr lang="zh-CN" altLang="en-US" smtClean="0"/>
-              <a:t>2018/12/28</a:t>
+              <a:t>2019/1/2</a:t>
             </a:fld>
             <a:endParaRPr lang="zh-CN" altLang="en-US"/>
           </a:p>
@@ -413,7 +420,7 @@
           <a:p>
             <a:fld id="{7678815B-4BED-40A2-A624-0FD9FBFEFEA2}" type="datetimeFigureOut">
               <a:rPr lang="zh-CN" altLang="en-US" smtClean="0"/>
-              <a:t>2018/12/28</a:t>
+              <a:t>2019/1/2</a:t>
             </a:fld>
             <a:endParaRPr lang="zh-CN" altLang="en-US"/>
           </a:p>
@@ -593,7 +600,7 @@
           <a:p>
             <a:fld id="{7678815B-4BED-40A2-A624-0FD9FBFEFEA2}" type="datetimeFigureOut">
               <a:rPr lang="zh-CN" altLang="en-US" smtClean="0"/>
-              <a:t>2018/12/28</a:t>
+              <a:t>2019/1/2</a:t>
             </a:fld>
             <a:endParaRPr lang="zh-CN" altLang="en-US"/>
           </a:p>
@@ -763,7 +770,7 @@
           <a:p>
             <a:fld id="{7678815B-4BED-40A2-A624-0FD9FBFEFEA2}" type="datetimeFigureOut">
               <a:rPr lang="zh-CN" altLang="en-US" smtClean="0"/>
-              <a:t>2018/12/28</a:t>
+              <a:t>2019/1/2</a:t>
             </a:fld>
             <a:endParaRPr lang="zh-CN" altLang="en-US"/>
           </a:p>
@@ -1009,7 +1016,7 @@
           <a:p>
             <a:fld id="{7678815B-4BED-40A2-A624-0FD9FBFEFEA2}" type="datetimeFigureOut">
               <a:rPr lang="zh-CN" altLang="en-US" smtClean="0"/>
-              <a:t>2018/12/28</a:t>
+              <a:t>2019/1/2</a:t>
             </a:fld>
             <a:endParaRPr lang="zh-CN" altLang="en-US"/>
           </a:p>
@@ -1241,7 +1248,7 @@
           <a:p>
             <a:fld id="{7678815B-4BED-40A2-A624-0FD9FBFEFEA2}" type="datetimeFigureOut">
               <a:rPr lang="zh-CN" altLang="en-US" smtClean="0"/>
-              <a:t>2018/12/28</a:t>
+              <a:t>2019/1/2</a:t>
             </a:fld>
             <a:endParaRPr lang="zh-CN" altLang="en-US"/>
           </a:p>
@@ -1608,7 +1615,7 @@
           <a:p>
             <a:fld id="{7678815B-4BED-40A2-A624-0FD9FBFEFEA2}" type="datetimeFigureOut">
               <a:rPr lang="zh-CN" altLang="en-US" smtClean="0"/>
-              <a:t>2018/12/28</a:t>
+              <a:t>2019/1/2</a:t>
             </a:fld>
             <a:endParaRPr lang="zh-CN" altLang="en-US"/>
           </a:p>
@@ -1726,7 +1733,7 @@
           <a:p>
             <a:fld id="{7678815B-4BED-40A2-A624-0FD9FBFEFEA2}" type="datetimeFigureOut">
               <a:rPr lang="zh-CN" altLang="en-US" smtClean="0"/>
-              <a:t>2018/12/28</a:t>
+              <a:t>2019/1/2</a:t>
             </a:fld>
             <a:endParaRPr lang="zh-CN" altLang="en-US"/>
           </a:p>
@@ -1821,7 +1828,7 @@
           <a:p>
             <a:fld id="{7678815B-4BED-40A2-A624-0FD9FBFEFEA2}" type="datetimeFigureOut">
               <a:rPr lang="zh-CN" altLang="en-US" smtClean="0"/>
-              <a:t>2018/12/28</a:t>
+              <a:t>2019/1/2</a:t>
             </a:fld>
             <a:endParaRPr lang="zh-CN" altLang="en-US"/>
           </a:p>
@@ -2098,7 +2105,7 @@
           <a:p>
             <a:fld id="{7678815B-4BED-40A2-A624-0FD9FBFEFEA2}" type="datetimeFigureOut">
               <a:rPr lang="zh-CN" altLang="en-US" smtClean="0"/>
-              <a:t>2018/12/28</a:t>
+              <a:t>2019/1/2</a:t>
             </a:fld>
             <a:endParaRPr lang="zh-CN" altLang="en-US"/>
           </a:p>
@@ -2351,7 +2358,7 @@
           <a:p>
             <a:fld id="{7678815B-4BED-40A2-A624-0FD9FBFEFEA2}" type="datetimeFigureOut">
               <a:rPr lang="zh-CN" altLang="en-US" smtClean="0"/>
-              <a:t>2018/12/28</a:t>
+              <a:t>2019/1/2</a:t>
             </a:fld>
             <a:endParaRPr lang="zh-CN" altLang="en-US"/>
           </a:p>
@@ -2564,7 +2571,7 @@
           <a:p>
             <a:fld id="{7678815B-4BED-40A2-A624-0FD9FBFEFEA2}" type="datetimeFigureOut">
               <a:rPr lang="zh-CN" altLang="en-US" smtClean="0"/>
-              <a:t>2018/12/28</a:t>
+              <a:t>2019/1/2</a:t>
             </a:fld>
             <a:endParaRPr lang="zh-CN" altLang="en-US"/>
           </a:p>
@@ -3363,6 +3370,68 @@
           <a:bodyPr/>
           <a:lstStyle/>
           <a:p>
+            <a:r>
+              <a:rPr lang="en-US" altLang="zh-CN" dirty="0" smtClean="0"/>
+              <a:t>Before Works</a:t>
+            </a:r>
+          </a:p>
+          <a:p>
+            <a:pPr lvl="1"/>
+            <a:r>
+              <a:rPr lang="en-US" altLang="zh-CN" dirty="0" smtClean="0"/>
+              <a:t>require a limited set of action names given as input, which are mapped to action descriptions.</a:t>
+            </a:r>
+          </a:p>
+          <a:p>
+            <a:pPr lvl="1"/>
+            <a:r>
+              <a:rPr lang="en-US" altLang="zh-CN" dirty="0" smtClean="0"/>
+              <a:t>builds actions sequences from texts based on dependency parser and then builds planning models, assuming texts are in restricted templates when describing actions.</a:t>
+            </a:r>
+          </a:p>
+          <a:p>
+            <a:r>
+              <a:rPr lang="en-US" altLang="zh-CN" dirty="0" smtClean="0"/>
+              <a:t>This paper</a:t>
+            </a:r>
+          </a:p>
+          <a:p>
+            <a:pPr lvl="1"/>
+            <a:r>
+              <a:rPr lang="en-US" altLang="zh-CN" dirty="0" smtClean="0"/>
+              <a:t>extract meaningful action sequences from texts in </a:t>
+            </a:r>
+            <a:r>
+              <a:rPr lang="en-US" altLang="zh-CN" dirty="0" smtClean="0">
+                <a:solidFill>
+                  <a:srgbClr val="FF0000"/>
+                </a:solidFill>
+              </a:rPr>
+              <a:t>free natural language, without any restricted templates</a:t>
+            </a:r>
+            <a:r>
+              <a:rPr lang="en-US" altLang="zh-CN" dirty="0" smtClean="0"/>
+              <a:t>, even when the </a:t>
+            </a:r>
+            <a:r>
+              <a:rPr lang="en-US" altLang="zh-CN" dirty="0" smtClean="0">
+                <a:solidFill>
+                  <a:srgbClr val="FF0000"/>
+                </a:solidFill>
+              </a:rPr>
+              <a:t>candidate set of actions is unknown</a:t>
+            </a:r>
+            <a:r>
+              <a:rPr lang="en-US" altLang="zh-CN" dirty="0" smtClean="0"/>
+              <a:t>.</a:t>
+            </a:r>
+          </a:p>
+          <a:p>
+            <a:pPr lvl="1"/>
+            <a:endParaRPr lang="en-US" altLang="zh-CN" dirty="0" smtClean="0"/>
+          </a:p>
+          <a:p>
+            <a:pPr lvl="1"/>
             <a:endParaRPr lang="zh-CN" altLang="en-US" dirty="0"/>
           </a:p>
         </p:txBody>
@@ -3412,7 +3481,11 @@
           <a:bodyPr/>
           <a:lstStyle/>
           <a:p>
-            <a:endParaRPr lang="zh-CN" altLang="en-US"/>
+            <a:r>
+              <a:rPr lang="en-US" altLang="zh-CN" dirty="0" smtClean="0"/>
+              <a:t>Introduction</a:t>
+            </a:r>
+            <a:endParaRPr lang="zh-CN" altLang="en-US" dirty="0"/>
           </a:p>
         </p:txBody>
       </p:sp>
@@ -3431,7 +3504,32 @@
           <a:bodyPr/>
           <a:lstStyle/>
           <a:p>
-            <a:endParaRPr lang="zh-CN" altLang="en-US"/>
+            <a:r>
+              <a:rPr lang="en-US" altLang="zh-CN" dirty="0" smtClean="0"/>
+              <a:t>EASDRL: Extracting Action Sequences from texts based on Deep Reinforcement Learning.</a:t>
+            </a:r>
+          </a:p>
+          <a:p>
+            <a:endParaRPr lang="en-US" altLang="zh-CN" dirty="0" smtClean="0"/>
+          </a:p>
+          <a:p>
+            <a:r>
+              <a:rPr lang="en-US" altLang="zh-CN" dirty="0" smtClean="0"/>
+              <a:t>States: texts associated with actions</a:t>
+            </a:r>
+          </a:p>
+          <a:p>
+            <a:r>
+              <a:rPr lang="en-US" altLang="zh-CN" dirty="0" smtClean="0"/>
+              <a:t>Actions: associating words in texts</a:t>
+            </a:r>
+          </a:p>
+          <a:p>
+            <a:r>
+              <a:rPr lang="en-US" altLang="zh-CN" dirty="0" smtClean="0"/>
+              <a:t>Q-networks</a:t>
+            </a:r>
+            <a:endParaRPr lang="zh-CN" altLang="en-US" dirty="0"/>
           </a:p>
         </p:txBody>
       </p:sp>
@@ -3480,7 +3578,11 @@
           <a:bodyPr/>
           <a:lstStyle/>
           <a:p>
-            <a:endParaRPr lang="zh-CN" altLang="en-US"/>
+            <a:r>
+              <a:rPr lang="en-US" altLang="zh-CN" dirty="0" smtClean="0"/>
+              <a:t>Related Work</a:t>
+            </a:r>
+            <a:endParaRPr lang="zh-CN" altLang="en-US" dirty="0"/>
           </a:p>
         </p:txBody>
       </p:sp>
@@ -3496,10 +3598,156 @@
         </p:nvSpPr>
         <p:spPr/>
         <p:txBody>
-          <a:bodyPr/>
-          <a:lstStyle/>
-          <a:p>
-            <a:endParaRPr lang="zh-CN" altLang="en-US"/>
+          <a:bodyPr>
+            <a:normAutofit lnSpcReduction="10000"/>
+          </a:bodyPr>
+          <a:lstStyle/>
+          <a:p>
+            <a:r>
+              <a:rPr lang="en-US" altLang="zh-CN" dirty="0"/>
+              <a:t>Chen </a:t>
+            </a:r>
+            <a:r>
+              <a:rPr lang="en-US" altLang="zh-CN" dirty="0" smtClean="0"/>
+              <a:t>and Mooney</a:t>
+            </a:r>
+            <a:r>
+              <a:rPr lang="en-US" altLang="zh-CN" dirty="0"/>
+              <a:t>, 2011; Kim and Mooney, </a:t>
+            </a:r>
+            <a:r>
+              <a:rPr lang="en-US" altLang="zh-CN" dirty="0" smtClean="0"/>
+              <a:t>2013</a:t>
+            </a:r>
+          </a:p>
+          <a:p>
+            <a:pPr lvl="1"/>
+            <a:r>
+              <a:rPr lang="en-US" altLang="zh-CN" dirty="0" smtClean="0"/>
+              <a:t>depend on specialized resource, i.e. semantic parsers, learned lexicons and re-rankers.</a:t>
+            </a:r>
+          </a:p>
+          <a:p>
+            <a:r>
+              <a:rPr lang="en-US" altLang="zh-CN" dirty="0"/>
+              <a:t>Mei et al., </a:t>
+            </a:r>
+            <a:r>
+              <a:rPr lang="en-US" altLang="zh-CN" dirty="0" smtClean="0"/>
+              <a:t>2016</a:t>
+            </a:r>
+          </a:p>
+          <a:p>
+            <a:pPr lvl="1"/>
+            <a:r>
+              <a:rPr lang="en-US" altLang="zh-CN" dirty="0" smtClean="0"/>
+              <a:t>LSTM encoder-decoder in processing single-sentence, it could not handle multi-sentence texts well.</a:t>
+            </a:r>
+          </a:p>
+          <a:p>
+            <a:r>
+              <a:rPr lang="en-US" altLang="zh-CN" dirty="0" smtClean="0"/>
+              <a:t>Others</a:t>
+            </a:r>
+          </a:p>
+          <a:p>
+            <a:pPr lvl="1"/>
+            <a:r>
+              <a:rPr lang="en-US" altLang="zh-CN" dirty="0" smtClean="0"/>
+              <a:t>use NLP tools learning STRIPS representation actions from texts.</a:t>
+            </a:r>
+          </a:p>
+          <a:p>
+            <a:pPr lvl="1"/>
+            <a:r>
+              <a:rPr lang="en-US" altLang="zh-CN" dirty="0" smtClean="0"/>
+              <a:t>These </a:t>
+            </a:r>
+            <a:r>
+              <a:rPr lang="en-US" altLang="zh-CN" dirty="0"/>
+              <a:t>tools </a:t>
+            </a:r>
+            <a:r>
+              <a:rPr lang="en-US" altLang="zh-CN" dirty="0" smtClean="0"/>
+              <a:t>are trained </a:t>
+            </a:r>
+            <a:r>
+              <a:rPr lang="en-US" altLang="zh-CN" dirty="0"/>
+              <a:t>for universal natural language processing tasks, </a:t>
+            </a:r>
+            <a:r>
+              <a:rPr lang="en-US" altLang="zh-CN" dirty="0" smtClean="0"/>
+              <a:t>they cannot </a:t>
+            </a:r>
+            <a:r>
+              <a:rPr lang="en-US" altLang="zh-CN" dirty="0"/>
+              <a:t>solve the </a:t>
+            </a:r>
+            <a:r>
+              <a:rPr lang="en-US" altLang="zh-CN" dirty="0">
+                <a:solidFill>
+                  <a:srgbClr val="FF0000"/>
+                </a:solidFill>
+              </a:rPr>
+              <a:t>complex action sequence extraction </a:t>
+            </a:r>
+            <a:r>
+              <a:rPr lang="en-US" altLang="zh-CN" dirty="0" smtClean="0">
+                <a:solidFill>
+                  <a:srgbClr val="FF0000"/>
+                </a:solidFill>
+              </a:rPr>
+              <a:t>problem </a:t>
+            </a:r>
+            <a:r>
+              <a:rPr lang="en-US" altLang="zh-CN" dirty="0" smtClean="0"/>
+              <a:t>well</a:t>
+            </a:r>
+            <a:r>
+              <a:rPr lang="en-US" altLang="zh-CN" dirty="0"/>
+              <a:t>, and their </a:t>
+            </a:r>
+            <a:r>
+              <a:rPr lang="en-US" altLang="zh-CN" dirty="0">
+                <a:solidFill>
+                  <a:srgbClr val="FF0000"/>
+                </a:solidFill>
+              </a:rPr>
+              <a:t>performance will be greatly affected </a:t>
+            </a:r>
+            <a:r>
+              <a:rPr lang="en-US" altLang="zh-CN" dirty="0" smtClean="0"/>
+              <a:t>by </a:t>
+            </a:r>
+            <a:r>
+              <a:rPr lang="en-US" altLang="zh-CN" dirty="0" smtClean="0">
+                <a:solidFill>
+                  <a:srgbClr val="FF0000"/>
+                </a:solidFill>
+              </a:rPr>
+              <a:t>POS-tagging</a:t>
+            </a:r>
+            <a:r>
+              <a:rPr lang="en-US" altLang="zh-CN" dirty="0" smtClean="0"/>
+              <a:t> </a:t>
+            </a:r>
+            <a:r>
+              <a:rPr lang="en-US" altLang="zh-CN" dirty="0"/>
+              <a:t>and dependency </a:t>
+            </a:r>
+            <a:r>
+              <a:rPr lang="en-US" altLang="zh-CN" dirty="0">
+                <a:solidFill>
+                  <a:srgbClr val="FF0000"/>
+                </a:solidFill>
+              </a:rPr>
+              <a:t>parsing results</a:t>
+            </a:r>
+            <a:r>
+              <a:rPr lang="en-US" altLang="zh-CN" dirty="0"/>
+              <a:t>.</a:t>
+            </a:r>
+            <a:endParaRPr lang="zh-CN" altLang="en-US" dirty="0"/>
           </a:p>
         </p:txBody>
       </p:sp>
@@ -3507,6 +3755,427 @@
     <p:extLst>
       <p:ext uri="{BB962C8B-B14F-4D97-AF65-F5344CB8AC3E}">
         <p14:creationId xmlns:p14="http://schemas.microsoft.com/office/powerpoint/2010/main" val="3496922746"/>
+      </p:ext>
+    </p:extLst>
+  </p:cSld>
+  <p:clrMapOvr>
+    <a:masterClrMapping/>
+  </p:clrMapOvr>
+</p:sld>
+</file>
+
+<file path=ppt/slides/slide7.xml><?xml version="1.0" encoding="utf-8"?>
+<p:sld xmlns:a="http://schemas.openxmlformats.org/drawingml/2006/main" xmlns:r="http://schemas.openxmlformats.org/officeDocument/2006/relationships" xmlns:p="http://schemas.openxmlformats.org/presentationml/2006/main">
+  <p:cSld>
+    <p:spTree>
+      <p:nvGrpSpPr>
+        <p:cNvPr id="1" name=""/>
+        <p:cNvGrpSpPr/>
+        <p:nvPr/>
+      </p:nvGrpSpPr>
+      <p:grpSpPr>
+        <a:xfrm>
+          <a:off x="0" y="0"/>
+          <a:ext cx="0" cy="0"/>
+          <a:chOff x="0" y="0"/>
+          <a:chExt cx="0" cy="0"/>
+        </a:xfrm>
+      </p:grpSpPr>
+      <p:sp>
+        <p:nvSpPr>
+          <p:cNvPr id="2" name="标题 1"/>
+          <p:cNvSpPr>
+            <a:spLocks noGrp="1"/>
+          </p:cNvSpPr>
+          <p:nvPr>
+            <p:ph type="title"/>
+          </p:nvPr>
+        </p:nvSpPr>
+        <p:spPr/>
+        <p:txBody>
+          <a:bodyPr/>
+          <a:lstStyle/>
+          <a:p>
+            <a:r>
+              <a:rPr lang="en-US" altLang="zh-CN" dirty="0" smtClean="0"/>
+              <a:t>Related Work</a:t>
+            </a:r>
+            <a:endParaRPr lang="zh-CN" altLang="en-US" dirty="0"/>
+          </a:p>
+        </p:txBody>
+      </p:sp>
+      <p:sp>
+        <p:nvSpPr>
+          <p:cNvPr id="3" name="内容占位符 2"/>
+          <p:cNvSpPr>
+            <a:spLocks noGrp="1"/>
+          </p:cNvSpPr>
+          <p:nvPr>
+            <p:ph idx="1"/>
+          </p:nvPr>
+        </p:nvSpPr>
+        <p:spPr/>
+        <p:txBody>
+          <a:bodyPr/>
+          <a:lstStyle/>
+          <a:p>
+            <a:r>
+              <a:rPr lang="en-US" altLang="zh-CN" dirty="0" smtClean="0"/>
+              <a:t>This paper</a:t>
+            </a:r>
+          </a:p>
+          <a:p>
+            <a:pPr lvl="1"/>
+            <a:r>
+              <a:rPr lang="en-US" altLang="zh-CN" dirty="0" smtClean="0"/>
+              <a:t>build a model that learns to directly extract action sequences </a:t>
+            </a:r>
+            <a:r>
+              <a:rPr lang="en-US" altLang="zh-CN" dirty="0" smtClean="0">
+                <a:solidFill>
+                  <a:srgbClr val="FF0000"/>
+                </a:solidFill>
+              </a:rPr>
+              <a:t>without external tools</a:t>
+            </a:r>
+            <a:r>
+              <a:rPr lang="en-US" altLang="zh-CN" dirty="0" smtClean="0"/>
+              <a:t>.</a:t>
+            </a:r>
+            <a:endParaRPr lang="zh-CN" altLang="en-US" dirty="0"/>
+          </a:p>
+        </p:txBody>
+      </p:sp>
+    </p:spTree>
+    <p:extLst>
+      <p:ext uri="{BB962C8B-B14F-4D97-AF65-F5344CB8AC3E}">
+        <p14:creationId xmlns:p14="http://schemas.microsoft.com/office/powerpoint/2010/main" val="4070925298"/>
+      </p:ext>
+    </p:extLst>
+  </p:cSld>
+  <p:clrMapOvr>
+    <a:masterClrMapping/>
+  </p:clrMapOvr>
+</p:sld>
+</file>
+
+<file path=ppt/slides/slide8.xml><?xml version="1.0" encoding="utf-8"?>
+<p:sld xmlns:a="http://schemas.openxmlformats.org/drawingml/2006/main" xmlns:r="http://schemas.openxmlformats.org/officeDocument/2006/relationships" xmlns:p="http://schemas.openxmlformats.org/presentationml/2006/main">
+  <p:cSld>
+    <p:spTree>
+      <p:nvGrpSpPr>
+        <p:cNvPr id="1" name=""/>
+        <p:cNvGrpSpPr/>
+        <p:nvPr/>
+      </p:nvGrpSpPr>
+      <p:grpSpPr>
+        <a:xfrm>
+          <a:off x="0" y="0"/>
+          <a:ext cx="0" cy="0"/>
+          <a:chOff x="0" y="0"/>
+          <a:chExt cx="0" cy="0"/>
+        </a:xfrm>
+      </p:grpSpPr>
+      <p:sp>
+        <p:nvSpPr>
+          <p:cNvPr id="2" name="标题 1"/>
+          <p:cNvSpPr>
+            <a:spLocks noGrp="1"/>
+          </p:cNvSpPr>
+          <p:nvPr>
+            <p:ph type="title"/>
+          </p:nvPr>
+        </p:nvSpPr>
+        <p:spPr/>
+        <p:txBody>
+          <a:bodyPr/>
+          <a:lstStyle/>
+          <a:p>
+            <a:r>
+              <a:rPr lang="en-US" altLang="zh-CN" dirty="0" smtClean="0"/>
+              <a:t>Problem Definition</a:t>
+            </a:r>
+            <a:endParaRPr lang="zh-CN" altLang="en-US" dirty="0"/>
+          </a:p>
+        </p:txBody>
+      </p:sp>
+      <p:sp>
+        <p:nvSpPr>
+          <p:cNvPr id="3" name="内容占位符 2"/>
+          <p:cNvSpPr>
+            <a:spLocks noGrp="1"/>
+          </p:cNvSpPr>
+          <p:nvPr>
+            <p:ph idx="1"/>
+          </p:nvPr>
+        </p:nvSpPr>
+        <p:spPr/>
+        <p:txBody>
+          <a:bodyPr/>
+          <a:lstStyle/>
+          <a:p>
+            <a:r>
+              <a:rPr lang="en-US" altLang="zh-CN" dirty="0" smtClean="0"/>
+              <a:t>Train Data:</a:t>
+            </a:r>
+          </a:p>
+          <a:p>
+            <a:r>
+              <a:rPr lang="en-US" altLang="zh-CN" dirty="0" smtClean="0"/>
+              <a:t>X = &lt;w</a:t>
+            </a:r>
+            <a:r>
+              <a:rPr lang="en-US" altLang="zh-CN" baseline="-25000" dirty="0" smtClean="0"/>
+              <a:t>1</a:t>
+            </a:r>
+            <a:r>
+              <a:rPr lang="en-US" altLang="zh-CN" dirty="0" smtClean="0"/>
+              <a:t>, w</a:t>
+            </a:r>
+            <a:r>
+              <a:rPr lang="en-US" altLang="zh-CN" baseline="-25000" dirty="0" smtClean="0"/>
+              <a:t>2</a:t>
+            </a:r>
+            <a:r>
+              <a:rPr lang="en-US" altLang="zh-CN" dirty="0" smtClean="0"/>
+              <a:t>, …, </a:t>
+            </a:r>
+            <a:r>
+              <a:rPr lang="en-US" altLang="zh-CN" dirty="0" err="1" smtClean="0"/>
+              <a:t>w</a:t>
+            </a:r>
+            <a:r>
+              <a:rPr lang="en-US" altLang="zh-CN" baseline="-25000" dirty="0" err="1" smtClean="0"/>
+              <a:t>N</a:t>
+            </a:r>
+            <a:r>
+              <a:rPr lang="en-US" altLang="zh-CN" dirty="0" smtClean="0"/>
+              <a:t>&gt;: a sequence of words</a:t>
+            </a:r>
+            <a:br>
+              <a:rPr lang="en-US" altLang="zh-CN" dirty="0" smtClean="0"/>
+            </a:br>
+            <a:r>
+              <a:rPr lang="en-US" altLang="zh-CN" dirty="0" smtClean="0"/>
+              <a:t>Y = &lt;y</a:t>
+            </a:r>
+            <a:r>
+              <a:rPr lang="en-US" altLang="zh-CN" baseline="-25000" dirty="0" smtClean="0"/>
+              <a:t>1</a:t>
+            </a:r>
+            <a:r>
+              <a:rPr lang="en-US" altLang="zh-CN" dirty="0" smtClean="0"/>
+              <a:t>, y</a:t>
+            </a:r>
+            <a:r>
+              <a:rPr lang="en-US" altLang="zh-CN" baseline="-25000" dirty="0" smtClean="0"/>
+              <a:t>2</a:t>
+            </a:r>
+            <a:r>
+              <a:rPr lang="en-US" altLang="zh-CN" dirty="0" smtClean="0"/>
+              <a:t>, …, </a:t>
+            </a:r>
+            <a:r>
+              <a:rPr lang="en-US" altLang="zh-CN" dirty="0" err="1" smtClean="0"/>
+              <a:t>y</a:t>
+            </a:r>
+            <a:r>
+              <a:rPr lang="en-US" altLang="zh-CN" baseline="-25000" dirty="0" err="1" smtClean="0"/>
+              <a:t>N</a:t>
+            </a:r>
+            <a:r>
+              <a:rPr lang="en-US" altLang="zh-CN" dirty="0" smtClean="0"/>
+              <a:t>&gt;: a sequence of annotations </a:t>
+            </a:r>
+          </a:p>
+          <a:p>
+            <a:r>
+              <a:rPr lang="en-US" altLang="zh-CN" dirty="0"/>
+              <a:t>I</a:t>
+            </a:r>
+            <a:r>
+              <a:rPr lang="en-US" altLang="zh-CN" dirty="0" smtClean="0"/>
+              <a:t>f </a:t>
+            </a:r>
+            <a:r>
+              <a:rPr lang="en-US" altLang="zh-CN" dirty="0" err="1" smtClean="0"/>
+              <a:t>w</a:t>
+            </a:r>
+            <a:r>
+              <a:rPr lang="en-US" altLang="zh-CN" baseline="-25000" dirty="0" err="1" smtClean="0"/>
+              <a:t>i</a:t>
+            </a:r>
+            <a:r>
+              <a:rPr lang="en-US" altLang="zh-CN" dirty="0" smtClean="0"/>
+              <a:t> is not an action </a:t>
+            </a:r>
+            <a:r>
+              <a:rPr lang="en-US" altLang="zh-CN" dirty="0" smtClean="0"/>
+              <a:t>name, </a:t>
+            </a:r>
+            <a:r>
+              <a:rPr lang="en-US" altLang="zh-CN" dirty="0" err="1" smtClean="0"/>
+              <a:t>y</a:t>
+            </a:r>
+            <a:r>
+              <a:rPr lang="en-US" altLang="zh-CN" baseline="-25000" dirty="0" err="1" smtClean="0"/>
+              <a:t>i</a:t>
+            </a:r>
+            <a:r>
+              <a:rPr lang="en-US" altLang="zh-CN" dirty="0" smtClean="0"/>
+              <a:t> is   </a:t>
+            </a:r>
+            <a:r>
+              <a:rPr lang="en-US" altLang="zh-CN" dirty="0" smtClean="0"/>
+              <a:t>.</a:t>
+            </a:r>
+            <a:endParaRPr lang="en-US" altLang="zh-CN" dirty="0"/>
+          </a:p>
+          <a:p>
+            <a:r>
+              <a:rPr lang="en-US" altLang="zh-CN" dirty="0" smtClean="0"/>
+              <a:t>Otherwise</a:t>
+            </a:r>
+            <a:r>
+              <a:rPr lang="en-US" altLang="zh-CN" dirty="0"/>
+              <a:t>, </a:t>
+            </a:r>
+            <a:r>
+              <a:rPr lang="en-US" altLang="zh-CN" dirty="0" err="1"/>
+              <a:t>y</a:t>
+            </a:r>
+            <a:r>
+              <a:rPr lang="en-US" altLang="zh-CN" baseline="-25000" dirty="0" err="1"/>
+              <a:t>i</a:t>
+            </a:r>
+            <a:r>
+              <a:rPr lang="en-US" altLang="zh-CN" dirty="0"/>
+              <a:t> is a </a:t>
+            </a:r>
+            <a:r>
+              <a:rPr lang="en-US" altLang="zh-CN" dirty="0" smtClean="0"/>
+              <a:t>tuple (</a:t>
+            </a:r>
+            <a:r>
+              <a:rPr lang="en-US" altLang="zh-CN" dirty="0" err="1" smtClean="0"/>
+              <a:t>ActType</a:t>
+            </a:r>
+            <a:r>
+              <a:rPr lang="en-US" altLang="zh-CN" dirty="0"/>
+              <a:t>,</a:t>
+            </a:r>
+            <a:r>
+              <a:rPr lang="en-US" altLang="zh-CN" dirty="0" smtClean="0"/>
+              <a:t> </a:t>
+            </a:r>
+            <a:r>
+              <a:rPr lang="en-US" altLang="zh-CN" dirty="0"/>
+              <a:t>{</a:t>
+            </a:r>
+            <a:r>
+              <a:rPr lang="en-US" altLang="zh-CN" dirty="0" err="1" smtClean="0"/>
+              <a:t>ExActId</a:t>
+            </a:r>
+            <a:r>
+              <a:rPr lang="en-US" altLang="zh-CN" dirty="0" smtClean="0"/>
+              <a:t>}; </a:t>
+            </a:r>
+            <a:r>
+              <a:rPr lang="en-US" altLang="zh-CN" dirty="0" smtClean="0"/>
+              <a:t>{&lt;</a:t>
+            </a:r>
+            <a:r>
+              <a:rPr lang="en-US" altLang="zh-CN" dirty="0" err="1" smtClean="0"/>
+              <a:t>ArgId</a:t>
+            </a:r>
+            <a:r>
+              <a:rPr lang="en-US" altLang="zh-CN" dirty="0" smtClean="0"/>
+              <a:t>, </a:t>
+            </a:r>
+            <a:r>
+              <a:rPr lang="en-US" altLang="zh-CN" dirty="0" err="1" smtClean="0"/>
+              <a:t>ExArgId</a:t>
+            </a:r>
+            <a:r>
+              <a:rPr lang="en-US" altLang="zh-CN" dirty="0" smtClean="0"/>
+              <a:t>&gt;}) </a:t>
+            </a:r>
+            <a:r>
+              <a:rPr lang="en-US" altLang="zh-CN" dirty="0"/>
+              <a:t>to </a:t>
+            </a:r>
+            <a:r>
+              <a:rPr lang="en-US" altLang="zh-CN" dirty="0" smtClean="0"/>
+              <a:t>describe type </a:t>
+            </a:r>
+            <a:r>
+              <a:rPr lang="en-US" altLang="zh-CN" dirty="0"/>
+              <a:t>of the action name and its </a:t>
+            </a:r>
+            <a:r>
+              <a:rPr lang="en-US" altLang="zh-CN" dirty="0" smtClean="0"/>
+              <a:t>corresponding arguments</a:t>
+            </a:r>
+            <a:r>
+              <a:rPr lang="en-US" altLang="zh-CN" dirty="0"/>
+              <a:t>.</a:t>
+            </a:r>
+            <a:endParaRPr lang="zh-CN" altLang="en-US" dirty="0"/>
+          </a:p>
+        </p:txBody>
+      </p:sp>
+      <p:pic>
+        <p:nvPicPr>
+          <p:cNvPr id="4" name="图片 3"/>
+          <p:cNvPicPr>
+            <a:picLocks noChangeAspect="1"/>
+          </p:cNvPicPr>
+          <p:nvPr/>
+        </p:nvPicPr>
+        <p:blipFill>
+          <a:blip r:embed="rId2"/>
+          <a:stretch>
+            <a:fillRect/>
+          </a:stretch>
+        </p:blipFill>
+        <p:spPr>
+          <a:xfrm>
+            <a:off x="2864328" y="1825625"/>
+            <a:ext cx="1580952" cy="400000"/>
+          </a:xfrm>
+          <a:prstGeom prst="rect">
+            <a:avLst/>
+          </a:prstGeom>
+        </p:spPr>
+      </p:pic>
+      <p:pic>
+        <p:nvPicPr>
+          <p:cNvPr id="5" name="图片 4"/>
+          <p:cNvPicPr>
+            <a:picLocks noChangeAspect="1"/>
+          </p:cNvPicPr>
+          <p:nvPr/>
+        </p:nvPicPr>
+        <p:blipFill>
+          <a:blip r:embed="rId3"/>
+          <a:stretch>
+            <a:fillRect/>
+          </a:stretch>
+        </p:blipFill>
+        <p:spPr>
+          <a:xfrm>
+            <a:off x="5918533" y="3371167"/>
+            <a:ext cx="177467" cy="266667"/>
+          </a:xfrm>
+          <a:prstGeom prst="rect">
+            <a:avLst/>
+          </a:prstGeom>
+        </p:spPr>
+      </p:pic>
+    </p:spTree>
+    <p:extLst>
+      <p:ext uri="{BB962C8B-B14F-4D97-AF65-F5344CB8AC3E}">
+        <p14:creationId xmlns:p14="http://schemas.microsoft.com/office/powerpoint/2010/main" val="1646181343"/>
       </p:ext>
     </p:extLst>
   </p:cSld>
